--- a/dev-guideline/src/docs/asciidoc/images/ProgramExecution/ProgramHierarchy.pptx
+++ b/dev-guideline/src/docs/asciidoc/images/ProgramExecution/ProgramHierarchy.pptx
@@ -104,6 +104,11 @@
       </a:defRPr>
     </a:lvl9pPr>
   </p:defaultTextStyle>
+  <p:extLst>
+    <p:ext uri="{EFAFB233-063F-42B5-8137-9DF3F51BA10A}">
+      <p15:sldGuideLst xmlns:p15="http://schemas.microsoft.com/office/powerpoint/2012/main"/>
+    </p:ext>
+  </p:extLst>
 </p:presentation>
 </file>
 
@@ -254,7 +259,7 @@
           <a:p>
             <a:fld id="{E8AD48C2-1340-4262-B571-4EE330A7B487}" type="datetimeFigureOut">
               <a:rPr kumimoji="1" lang="ja-JP" altLang="en-US" smtClean="0"/>
-              <a:t>2020/2/7</a:t>
+              <a:t>2020/3/1</a:t>
             </a:fld>
             <a:endParaRPr kumimoji="1" lang="ja-JP" altLang="en-US"/>
           </a:p>
@@ -484,7 +489,7 @@
           <a:p>
             <a:fld id="{E8AD48C2-1340-4262-B571-4EE330A7B487}" type="datetimeFigureOut">
               <a:rPr kumimoji="1" lang="ja-JP" altLang="en-US" smtClean="0"/>
-              <a:t>2020/2/7</a:t>
+              <a:t>2020/3/1</a:t>
             </a:fld>
             <a:endParaRPr kumimoji="1" lang="ja-JP" altLang="en-US"/>
           </a:p>
@@ -724,7 +729,7 @@
           <a:p>
             <a:fld id="{E8AD48C2-1340-4262-B571-4EE330A7B487}" type="datetimeFigureOut">
               <a:rPr kumimoji="1" lang="ja-JP" altLang="en-US" smtClean="0"/>
-              <a:t>2020/2/7</a:t>
+              <a:t>2020/3/1</a:t>
             </a:fld>
             <a:endParaRPr kumimoji="1" lang="ja-JP" altLang="en-US"/>
           </a:p>
@@ -954,7 +959,7 @@
           <a:p>
             <a:fld id="{E8AD48C2-1340-4262-B571-4EE330A7B487}" type="datetimeFigureOut">
               <a:rPr kumimoji="1" lang="ja-JP" altLang="en-US" smtClean="0"/>
-              <a:t>2020/2/7</a:t>
+              <a:t>2020/3/1</a:t>
             </a:fld>
             <a:endParaRPr kumimoji="1" lang="ja-JP" altLang="en-US"/>
           </a:p>
@@ -1229,7 +1234,7 @@
           <a:p>
             <a:fld id="{E8AD48C2-1340-4262-B571-4EE330A7B487}" type="datetimeFigureOut">
               <a:rPr kumimoji="1" lang="ja-JP" altLang="en-US" smtClean="0"/>
-              <a:t>2020/2/7</a:t>
+              <a:t>2020/3/1</a:t>
             </a:fld>
             <a:endParaRPr kumimoji="1" lang="ja-JP" altLang="en-US"/>
           </a:p>
@@ -1558,7 +1563,7 @@
           <a:p>
             <a:fld id="{E8AD48C2-1340-4262-B571-4EE330A7B487}" type="datetimeFigureOut">
               <a:rPr kumimoji="1" lang="ja-JP" altLang="en-US" smtClean="0"/>
-              <a:t>2020/2/7</a:t>
+              <a:t>2020/3/1</a:t>
             </a:fld>
             <a:endParaRPr kumimoji="1" lang="ja-JP" altLang="en-US"/>
           </a:p>
@@ -2034,7 +2039,7 @@
           <a:p>
             <a:fld id="{E8AD48C2-1340-4262-B571-4EE330A7B487}" type="datetimeFigureOut">
               <a:rPr kumimoji="1" lang="ja-JP" altLang="en-US" smtClean="0"/>
-              <a:t>2020/2/7</a:t>
+              <a:t>2020/3/1</a:t>
             </a:fld>
             <a:endParaRPr kumimoji="1" lang="ja-JP" altLang="en-US"/>
           </a:p>
@@ -2175,7 +2180,7 @@
           <a:p>
             <a:fld id="{E8AD48C2-1340-4262-B571-4EE330A7B487}" type="datetimeFigureOut">
               <a:rPr kumimoji="1" lang="ja-JP" altLang="en-US" smtClean="0"/>
-              <a:t>2020/2/7</a:t>
+              <a:t>2020/3/1</a:t>
             </a:fld>
             <a:endParaRPr kumimoji="1" lang="ja-JP" altLang="en-US"/>
           </a:p>
@@ -2288,7 +2293,7 @@
           <a:p>
             <a:fld id="{E8AD48C2-1340-4262-B571-4EE330A7B487}" type="datetimeFigureOut">
               <a:rPr kumimoji="1" lang="ja-JP" altLang="en-US" smtClean="0"/>
-              <a:t>2020/2/7</a:t>
+              <a:t>2020/3/1</a:t>
             </a:fld>
             <a:endParaRPr kumimoji="1" lang="ja-JP" altLang="en-US"/>
           </a:p>
@@ -2631,7 +2636,7 @@
           <a:p>
             <a:fld id="{E8AD48C2-1340-4262-B571-4EE330A7B487}" type="datetimeFigureOut">
               <a:rPr kumimoji="1" lang="ja-JP" altLang="en-US" smtClean="0"/>
-              <a:t>2020/2/7</a:t>
+              <a:t>2020/3/1</a:t>
             </a:fld>
             <a:endParaRPr kumimoji="1" lang="ja-JP" altLang="en-US"/>
           </a:p>
@@ -2919,7 +2924,7 @@
           <a:p>
             <a:fld id="{E8AD48C2-1340-4262-B571-4EE330A7B487}" type="datetimeFigureOut">
               <a:rPr kumimoji="1" lang="ja-JP" altLang="en-US" smtClean="0"/>
-              <a:t>2020/2/7</a:t>
+              <a:t>2020/3/1</a:t>
             </a:fld>
             <a:endParaRPr kumimoji="1" lang="ja-JP" altLang="en-US"/>
           </a:p>
@@ -3192,7 +3197,7 @@
           <a:p>
             <a:fld id="{E8AD48C2-1340-4262-B571-4EE330A7B487}" type="datetimeFigureOut">
               <a:rPr kumimoji="1" lang="ja-JP" altLang="en-US" smtClean="0"/>
-              <a:t>2020/2/7</a:t>
+              <a:t>2020/3/1</a:t>
             </a:fld>
             <a:endParaRPr kumimoji="1" lang="ja-JP" altLang="en-US"/>
           </a:p>
@@ -3676,7 +3681,7 @@
         </p:nvSpPr>
         <p:spPr>
           <a:xfrm>
-            <a:off x="1966210" y="6071016"/>
+            <a:off x="2038780" y="6057197"/>
             <a:ext cx="8259580" cy="554637"/>
           </a:xfrm>
           <a:prstGeom prst="rect">
@@ -3751,7 +3756,7 @@
         </p:nvSpPr>
         <p:spPr>
           <a:xfrm>
-            <a:off x="1966210" y="5021706"/>
+            <a:off x="2038780" y="5021706"/>
             <a:ext cx="8259580" cy="554637"/>
           </a:xfrm>
           <a:prstGeom prst="rect">
@@ -3810,6 +3815,63 @@
               </a:rPr>
               <a:t>ネイティブコード</a:t>
             </a:r>
+            <a:r>
+              <a:rPr kumimoji="1" lang="en-US" altLang="ja-JP" sz="1600" b="1" dirty="0">
+                <a:solidFill>
+                  <a:schemeClr val="tx1"/>
+                </a:solidFill>
+                <a:effectLst>
+                  <a:outerShdw blurRad="38100" dist="38100" dir="2700000" algn="tl">
+                    <a:srgbClr val="000000">
+                      <a:alpha val="43137"/>
+                    </a:srgbClr>
+                  </a:outerShdw>
+                </a:effectLst>
+              </a:rPr>
+              <a:t>(exe</a:t>
+            </a:r>
+            <a:r>
+              <a:rPr kumimoji="1" lang="ja-JP" altLang="en-US" sz="1600" b="1" dirty="0">
+                <a:solidFill>
+                  <a:schemeClr val="tx1"/>
+                </a:solidFill>
+                <a:effectLst>
+                  <a:outerShdw blurRad="38100" dist="38100" dir="2700000" algn="tl">
+                    <a:srgbClr val="000000">
+                      <a:alpha val="43137"/>
+                    </a:srgbClr>
+                  </a:outerShdw>
+                </a:effectLst>
+              </a:rPr>
+              <a:t>ファイルなど</a:t>
+            </a:r>
+            <a:r>
+              <a:rPr kumimoji="1" lang="en-US" altLang="ja-JP" sz="1600" b="1" dirty="0">
+                <a:solidFill>
+                  <a:schemeClr val="tx1"/>
+                </a:solidFill>
+                <a:effectLst>
+                  <a:outerShdw blurRad="38100" dist="38100" dir="2700000" algn="tl">
+                    <a:srgbClr val="000000">
+                      <a:alpha val="43137"/>
+                    </a:srgbClr>
+                  </a:outerShdw>
+                </a:effectLst>
+              </a:rPr>
+              <a:t>)</a:t>
+            </a:r>
+            <a:endParaRPr kumimoji="1" lang="ja-JP" altLang="en-US" sz="1600" b="1" dirty="0">
+              <a:solidFill>
+                <a:schemeClr val="tx1"/>
+              </a:solidFill>
+              <a:effectLst>
+                <a:outerShdw blurRad="38100" dist="38100" dir="2700000" algn="tl">
+                  <a:srgbClr val="000000">
+                    <a:alpha val="43137"/>
+                  </a:srgbClr>
+                </a:outerShdw>
+              </a:effectLst>
+            </a:endParaRPr>
           </a:p>
         </p:txBody>
       </p:sp>
@@ -3912,7 +3974,7 @@
         </p:nvCxnSpPr>
         <p:spPr>
           <a:xfrm>
-            <a:off x="6095999" y="5576343"/>
+            <a:off x="6165621" y="5576343"/>
             <a:ext cx="0" cy="494673"/>
           </a:xfrm>
           <a:prstGeom prst="straightConnector1">
@@ -3954,7 +4016,7 @@
         </p:nvSpPr>
         <p:spPr>
           <a:xfrm>
-            <a:off x="6165622" y="5654402"/>
+            <a:off x="6238192" y="5654402"/>
             <a:ext cx="1248178" cy="338554"/>
           </a:xfrm>
           <a:prstGeom prst="rect">
@@ -4079,22 +4141,7 @@
                   </a:outerShdw>
                 </a:effectLst>
               </a:rPr>
-              <a:t>(</a:t>
-            </a:r>
-            <a:r>
-              <a:rPr kumimoji="1" lang="en-US" altLang="ja-JP" sz="1600" b="1" dirty="0" err="1">
-                <a:solidFill>
-                  <a:schemeClr val="tx1"/>
-                </a:solidFill>
-                <a:effectLst>
-                  <a:outerShdw blurRad="38100" dist="38100" dir="2700000" algn="tl">
-                    <a:srgbClr val="000000">
-                      <a:alpha val="43137"/>
-                    </a:srgbClr>
-                  </a:outerShdw>
-                </a:effectLst>
-              </a:rPr>
-              <a:t>Java,C</a:t>
+              <a:t>(C</a:t>
             </a:r>
             <a:r>
               <a:rPr kumimoji="1" lang="ja-JP" altLang="en-US" sz="1600" b="1" dirty="0">
@@ -4155,7 +4202,7 @@
         </p:nvSpPr>
         <p:spPr>
           <a:xfrm>
-            <a:off x="3431666" y="3912432"/>
+            <a:off x="3501288" y="2989949"/>
             <a:ext cx="5328667" cy="554637"/>
           </a:xfrm>
           <a:prstGeom prst="rect">
@@ -4303,22 +4350,7 @@
                   </a:outerShdw>
                 </a:effectLst>
               </a:rPr>
-              <a:t>(</a:t>
-            </a:r>
-            <a:r>
-              <a:rPr kumimoji="1" lang="en-US" altLang="ja-JP" sz="1600" b="1" dirty="0" err="1">
-                <a:solidFill>
-                  <a:schemeClr val="tx1"/>
-                </a:solidFill>
-                <a:effectLst>
-                  <a:outerShdw blurRad="38100" dist="38100" dir="2700000" algn="tl">
-                    <a:srgbClr val="000000">
-                      <a:alpha val="43137"/>
-                    </a:srgbClr>
-                  </a:outerShdw>
-                </a:effectLst>
-              </a:rPr>
-              <a:t>Java,C</a:t>
+              <a:t>(C</a:t>
             </a:r>
             <a:r>
               <a:rPr kumimoji="1" lang="ja-JP" altLang="en-US" sz="1600" b="1" dirty="0">
@@ -4361,6 +4393,742 @@
                   </a:srgbClr>
                 </a:outerShdw>
               </a:effectLst>
+            </a:endParaRPr>
+          </a:p>
+        </p:txBody>
+      </p:sp>
+      <p:sp>
+        <p:nvSpPr>
+          <p:cNvPr id="12" name="正方形/長方形 11">
+            <a:extLst>
+              <a:ext uri="{FF2B5EF4-FFF2-40B4-BE49-F238E27FC236}">
+                <a16:creationId xmlns:a16="http://schemas.microsoft.com/office/drawing/2014/main" id="{E3066A48-4D9F-471E-B7DA-7B27975D737E}"/>
+              </a:ext>
+            </a:extLst>
+          </p:cNvPr>
+          <p:cNvSpPr/>
+          <p:nvPr/>
+        </p:nvSpPr>
+        <p:spPr>
+          <a:xfrm>
+            <a:off x="1966210" y="1940639"/>
+            <a:ext cx="4199412" cy="554637"/>
+          </a:xfrm>
+          <a:prstGeom prst="rect">
+            <a:avLst/>
+          </a:prstGeom>
+          <a:solidFill>
+            <a:schemeClr val="accent1">
+              <a:lumMod val="40000"/>
+              <a:lumOff val="60000"/>
+            </a:schemeClr>
+          </a:solidFill>
+          <a:ln>
+            <a:noFill/>
+          </a:ln>
+          <a:effectLst>
+            <a:outerShdw blurRad="50800" dist="38100" dir="2700000" algn="tl" rotWithShape="0">
+              <a:prstClr val="black">
+                <a:alpha val="40000"/>
+              </a:prstClr>
+            </a:outerShdw>
+          </a:effectLst>
+        </p:spPr>
+        <p:style>
+          <a:lnRef idx="2">
+            <a:schemeClr val="accent1">
+              <a:shade val="50000"/>
+            </a:schemeClr>
+          </a:lnRef>
+          <a:fillRef idx="1">
+            <a:schemeClr val="accent1"/>
+          </a:fillRef>
+          <a:effectRef idx="0">
+            <a:schemeClr val="accent1"/>
+          </a:effectRef>
+          <a:fontRef idx="minor">
+            <a:schemeClr val="lt1"/>
+          </a:fontRef>
+        </p:style>
+        <p:txBody>
+          <a:bodyPr rtlCol="0" anchor="ctr"/>
+          <a:lstStyle/>
+          <a:p>
+            <a:pPr algn="ctr"/>
+            <a:r>
+              <a:rPr kumimoji="1" lang="ja-JP" altLang="en-US" sz="2400" b="1" dirty="0">
+                <a:solidFill>
+                  <a:schemeClr val="tx1"/>
+                </a:solidFill>
+                <a:effectLst>
+                  <a:outerShdw blurRad="38100" dist="38100" dir="2700000" algn="tl">
+                    <a:srgbClr val="000000">
+                      <a:alpha val="43137"/>
+                    </a:srgbClr>
+                  </a:outerShdw>
+                </a:effectLst>
+              </a:rPr>
+              <a:t>コンパイラ</a:t>
+            </a:r>
+          </a:p>
+        </p:txBody>
+      </p:sp>
+      <p:sp>
+        <p:nvSpPr>
+          <p:cNvPr id="13" name="正方形/長方形 12">
+            <a:extLst>
+              <a:ext uri="{FF2B5EF4-FFF2-40B4-BE49-F238E27FC236}">
+                <a16:creationId xmlns:a16="http://schemas.microsoft.com/office/drawing/2014/main" id="{D582E087-4FF2-4078-8AAF-16D7C6C8BA57}"/>
+              </a:ext>
+            </a:extLst>
+          </p:cNvPr>
+          <p:cNvSpPr/>
+          <p:nvPr/>
+        </p:nvSpPr>
+        <p:spPr>
+          <a:xfrm>
+            <a:off x="6625121" y="1940639"/>
+            <a:ext cx="4199412" cy="554637"/>
+          </a:xfrm>
+          <a:prstGeom prst="rect">
+            <a:avLst/>
+          </a:prstGeom>
+          <a:solidFill>
+            <a:schemeClr val="accent1">
+              <a:lumMod val="40000"/>
+              <a:lumOff val="60000"/>
+            </a:schemeClr>
+          </a:solidFill>
+          <a:ln>
+            <a:noFill/>
+          </a:ln>
+          <a:effectLst>
+            <a:outerShdw blurRad="50800" dist="38100" dir="2700000" algn="tl" rotWithShape="0">
+              <a:prstClr val="black">
+                <a:alpha val="40000"/>
+              </a:prstClr>
+            </a:outerShdw>
+          </a:effectLst>
+        </p:spPr>
+        <p:style>
+          <a:lnRef idx="2">
+            <a:schemeClr val="accent1">
+              <a:shade val="50000"/>
+            </a:schemeClr>
+          </a:lnRef>
+          <a:fillRef idx="1">
+            <a:schemeClr val="accent1"/>
+          </a:fillRef>
+          <a:effectRef idx="0">
+            <a:schemeClr val="accent1"/>
+          </a:effectRef>
+          <a:fontRef idx="minor">
+            <a:schemeClr val="lt1"/>
+          </a:fontRef>
+        </p:style>
+        <p:txBody>
+          <a:bodyPr rtlCol="0" anchor="ctr"/>
+          <a:lstStyle/>
+          <a:p>
+            <a:pPr algn="ctr"/>
+            <a:r>
+              <a:rPr lang="ja-JP" altLang="en-US" sz="2400" b="1" dirty="0">
+                <a:solidFill>
+                  <a:schemeClr val="tx1"/>
+                </a:solidFill>
+                <a:effectLst>
+                  <a:outerShdw blurRad="38100" dist="38100" dir="2700000" algn="tl">
+                    <a:srgbClr val="000000">
+                      <a:alpha val="43137"/>
+                    </a:srgbClr>
+                  </a:outerShdw>
+                </a:effectLst>
+              </a:rPr>
+              <a:t>インタプリンタ</a:t>
+            </a:r>
+            <a:endParaRPr kumimoji="1" lang="ja-JP" altLang="en-US" sz="2400" b="1" dirty="0">
+              <a:solidFill>
+                <a:schemeClr val="tx1"/>
+              </a:solidFill>
+              <a:effectLst>
+                <a:outerShdw blurRad="38100" dist="38100" dir="2700000" algn="tl">
+                  <a:srgbClr val="000000">
+                    <a:alpha val="43137"/>
+                  </a:srgbClr>
+                </a:outerShdw>
+              </a:effectLst>
+            </a:endParaRPr>
+          </a:p>
+        </p:txBody>
+      </p:sp>
+      <p:sp>
+        <p:nvSpPr>
+          <p:cNvPr id="19" name="正方形/長方形 18">
+            <a:extLst>
+              <a:ext uri="{FF2B5EF4-FFF2-40B4-BE49-F238E27FC236}">
+                <a16:creationId xmlns:a16="http://schemas.microsoft.com/office/drawing/2014/main" id="{3E3E81A9-B91C-4FDD-B11E-C00E0822D678}"/>
+              </a:ext>
+            </a:extLst>
+          </p:cNvPr>
+          <p:cNvSpPr/>
+          <p:nvPr/>
+        </p:nvSpPr>
+        <p:spPr>
+          <a:xfrm>
+            <a:off x="4068863" y="3972395"/>
+            <a:ext cx="4199412" cy="554637"/>
+          </a:xfrm>
+          <a:prstGeom prst="rect">
+            <a:avLst/>
+          </a:prstGeom>
+          <a:solidFill>
+            <a:schemeClr val="accent1">
+              <a:lumMod val="40000"/>
+              <a:lumOff val="60000"/>
+            </a:schemeClr>
+          </a:solidFill>
+          <a:ln>
+            <a:noFill/>
+          </a:ln>
+          <a:effectLst>
+            <a:outerShdw blurRad="50800" dist="38100" dir="2700000" algn="tl" rotWithShape="0">
+              <a:prstClr val="black">
+                <a:alpha val="40000"/>
+              </a:prstClr>
+            </a:outerShdw>
+          </a:effectLst>
+        </p:spPr>
+        <p:style>
+          <a:lnRef idx="2">
+            <a:schemeClr val="accent1">
+              <a:shade val="50000"/>
+            </a:schemeClr>
+          </a:lnRef>
+          <a:fillRef idx="1">
+            <a:schemeClr val="accent1"/>
+          </a:fillRef>
+          <a:effectRef idx="0">
+            <a:schemeClr val="accent1"/>
+          </a:effectRef>
+          <a:fontRef idx="minor">
+            <a:schemeClr val="lt1"/>
+          </a:fontRef>
+        </p:style>
+        <p:txBody>
+          <a:bodyPr rtlCol="0" anchor="ctr"/>
+          <a:lstStyle/>
+          <a:p>
+            <a:pPr algn="ctr"/>
+            <a:r>
+              <a:rPr lang="ja-JP" altLang="en-US" sz="2400" b="1" dirty="0">
+                <a:solidFill>
+                  <a:schemeClr val="tx1"/>
+                </a:solidFill>
+                <a:effectLst>
+                  <a:outerShdw blurRad="38100" dist="38100" dir="2700000" algn="tl">
+                    <a:srgbClr val="000000">
+                      <a:alpha val="43137"/>
+                    </a:srgbClr>
+                  </a:outerShdw>
+                </a:effectLst>
+              </a:rPr>
+              <a:t>アセンブラ</a:t>
+            </a:r>
+            <a:endParaRPr kumimoji="1" lang="ja-JP" altLang="en-US" sz="2400" b="1" dirty="0">
+              <a:solidFill>
+                <a:schemeClr val="tx1"/>
+              </a:solidFill>
+              <a:effectLst>
+                <a:outerShdw blurRad="38100" dist="38100" dir="2700000" algn="tl">
+                  <a:srgbClr val="000000">
+                    <a:alpha val="43137"/>
+                  </a:srgbClr>
+                </a:outerShdw>
+              </a:effectLst>
+            </a:endParaRPr>
+          </a:p>
+        </p:txBody>
+      </p:sp>
+      <p:cxnSp>
+        <p:nvCxnSpPr>
+          <p:cNvPr id="3" name="直線矢印コネクタ 2">
+            <a:extLst>
+              <a:ext uri="{FF2B5EF4-FFF2-40B4-BE49-F238E27FC236}">
+                <a16:creationId xmlns:a16="http://schemas.microsoft.com/office/drawing/2014/main" id="{C2006564-E37A-43C6-A397-25474913365D}"/>
+              </a:ext>
+            </a:extLst>
+          </p:cNvPr>
+          <p:cNvCxnSpPr>
+            <a:stCxn id="16" idx="2"/>
+            <a:endCxn id="12" idx="0"/>
+          </p:cNvCxnSpPr>
+          <p:nvPr/>
+        </p:nvCxnSpPr>
+        <p:spPr>
+          <a:xfrm>
+            <a:off x="4065916" y="1085511"/>
+            <a:ext cx="0" cy="855128"/>
+          </a:xfrm>
+          <a:prstGeom prst="straightConnector1">
+            <a:avLst/>
+          </a:prstGeom>
+          <a:ln w="31750">
+            <a:solidFill>
+              <a:schemeClr val="tx1"/>
+            </a:solidFill>
+            <a:tailEnd type="triangle"/>
+          </a:ln>
+        </p:spPr>
+        <p:style>
+          <a:lnRef idx="1">
+            <a:schemeClr val="accent1"/>
+          </a:lnRef>
+          <a:fillRef idx="0">
+            <a:schemeClr val="accent1"/>
+          </a:fillRef>
+          <a:effectRef idx="0">
+            <a:schemeClr val="accent1"/>
+          </a:effectRef>
+          <a:fontRef idx="minor">
+            <a:schemeClr val="tx1"/>
+          </a:fontRef>
+        </p:style>
+      </p:cxnSp>
+      <p:cxnSp>
+        <p:nvCxnSpPr>
+          <p:cNvPr id="20" name="直線矢印コネクタ 19">
+            <a:extLst>
+              <a:ext uri="{FF2B5EF4-FFF2-40B4-BE49-F238E27FC236}">
+                <a16:creationId xmlns:a16="http://schemas.microsoft.com/office/drawing/2014/main" id="{FEDB51D5-5B50-44F6-B8E0-662E69AC9AE3}"/>
+              </a:ext>
+            </a:extLst>
+          </p:cNvPr>
+          <p:cNvCxnSpPr>
+            <a:cxnSpLocks/>
+          </p:cNvCxnSpPr>
+          <p:nvPr/>
+        </p:nvCxnSpPr>
+        <p:spPr>
+          <a:xfrm>
+            <a:off x="8724827" y="1078121"/>
+            <a:ext cx="0" cy="862518"/>
+          </a:xfrm>
+          <a:prstGeom prst="straightConnector1">
+            <a:avLst/>
+          </a:prstGeom>
+          <a:ln w="31750">
+            <a:solidFill>
+              <a:schemeClr val="tx1"/>
+            </a:solidFill>
+            <a:tailEnd type="triangle"/>
+          </a:ln>
+        </p:spPr>
+        <p:style>
+          <a:lnRef idx="1">
+            <a:schemeClr val="accent1"/>
+          </a:lnRef>
+          <a:fillRef idx="0">
+            <a:schemeClr val="accent1"/>
+          </a:fillRef>
+          <a:effectRef idx="0">
+            <a:schemeClr val="accent1"/>
+          </a:effectRef>
+          <a:fontRef idx="minor">
+            <a:schemeClr val="tx1"/>
+          </a:fontRef>
+        </p:style>
+      </p:cxnSp>
+      <p:cxnSp>
+        <p:nvCxnSpPr>
+          <p:cNvPr id="21" name="直線矢印コネクタ 20">
+            <a:extLst>
+              <a:ext uri="{FF2B5EF4-FFF2-40B4-BE49-F238E27FC236}">
+                <a16:creationId xmlns:a16="http://schemas.microsoft.com/office/drawing/2014/main" id="{4599FD28-CDBB-4BB2-855B-A2427A170BE7}"/>
+              </a:ext>
+            </a:extLst>
+          </p:cNvPr>
+          <p:cNvCxnSpPr>
+            <a:cxnSpLocks/>
+            <a:stCxn id="17" idx="2"/>
+            <a:endCxn id="19" idx="0"/>
+          </p:cNvCxnSpPr>
+          <p:nvPr/>
+        </p:nvCxnSpPr>
+        <p:spPr>
+          <a:xfrm>
+            <a:off x="6165622" y="3544586"/>
+            <a:ext cx="2947" cy="427809"/>
+          </a:xfrm>
+          <a:prstGeom prst="straightConnector1">
+            <a:avLst/>
+          </a:prstGeom>
+          <a:ln w="31750">
+            <a:solidFill>
+              <a:schemeClr val="tx1"/>
+            </a:solidFill>
+            <a:tailEnd type="triangle"/>
+          </a:ln>
+        </p:spPr>
+        <p:style>
+          <a:lnRef idx="1">
+            <a:schemeClr val="accent1"/>
+          </a:lnRef>
+          <a:fillRef idx="0">
+            <a:schemeClr val="accent1"/>
+          </a:fillRef>
+          <a:effectRef idx="0">
+            <a:schemeClr val="accent1"/>
+          </a:effectRef>
+          <a:fontRef idx="minor">
+            <a:schemeClr val="tx1"/>
+          </a:fontRef>
+        </p:style>
+      </p:cxnSp>
+      <p:cxnSp>
+        <p:nvCxnSpPr>
+          <p:cNvPr id="22" name="直線矢印コネクタ 21">
+            <a:extLst>
+              <a:ext uri="{FF2B5EF4-FFF2-40B4-BE49-F238E27FC236}">
+                <a16:creationId xmlns:a16="http://schemas.microsoft.com/office/drawing/2014/main" id="{DEA3C4E9-19DD-43C5-96A0-B77F839F609E}"/>
+              </a:ext>
+            </a:extLst>
+          </p:cNvPr>
+          <p:cNvCxnSpPr>
+            <a:cxnSpLocks/>
+            <a:stCxn id="19" idx="2"/>
+            <a:endCxn id="8" idx="0"/>
+          </p:cNvCxnSpPr>
+          <p:nvPr/>
+        </p:nvCxnSpPr>
+        <p:spPr>
+          <a:xfrm>
+            <a:off x="6168569" y="4527032"/>
+            <a:ext cx="1" cy="494674"/>
+          </a:xfrm>
+          <a:prstGeom prst="straightConnector1">
+            <a:avLst/>
+          </a:prstGeom>
+          <a:ln w="31750">
+            <a:solidFill>
+              <a:schemeClr val="tx1"/>
+            </a:solidFill>
+            <a:tailEnd type="triangle"/>
+          </a:ln>
+        </p:spPr>
+        <p:style>
+          <a:lnRef idx="1">
+            <a:schemeClr val="accent1"/>
+          </a:lnRef>
+          <a:fillRef idx="0">
+            <a:schemeClr val="accent1"/>
+          </a:fillRef>
+          <a:effectRef idx="0">
+            <a:schemeClr val="accent1"/>
+          </a:effectRef>
+          <a:fontRef idx="minor">
+            <a:schemeClr val="tx1"/>
+          </a:fontRef>
+        </p:style>
+      </p:cxnSp>
+      <p:cxnSp>
+        <p:nvCxnSpPr>
+          <p:cNvPr id="26" name="コネクタ: カギ線 25">
+            <a:extLst>
+              <a:ext uri="{FF2B5EF4-FFF2-40B4-BE49-F238E27FC236}">
+                <a16:creationId xmlns:a16="http://schemas.microsoft.com/office/drawing/2014/main" id="{DD8E504B-DA15-4924-9143-FA3D192F7312}"/>
+              </a:ext>
+            </a:extLst>
+          </p:cNvPr>
+          <p:cNvCxnSpPr>
+            <a:cxnSpLocks/>
+          </p:cNvCxnSpPr>
+          <p:nvPr/>
+        </p:nvCxnSpPr>
+        <p:spPr>
+          <a:xfrm rot="16200000" flipH="1">
+            <a:off x="1763033" y="3489996"/>
+            <a:ext cx="2526430" cy="536990"/>
+          </a:xfrm>
+          <a:prstGeom prst="bentConnector3">
+            <a:avLst/>
+          </a:prstGeom>
+          <a:ln w="31750">
+            <a:solidFill>
+              <a:schemeClr val="tx1"/>
+            </a:solidFill>
+            <a:tailEnd type="triangle"/>
+          </a:ln>
+        </p:spPr>
+        <p:style>
+          <a:lnRef idx="1">
+            <a:schemeClr val="accent1"/>
+          </a:lnRef>
+          <a:fillRef idx="0">
+            <a:schemeClr val="accent1"/>
+          </a:fillRef>
+          <a:effectRef idx="0">
+            <a:schemeClr val="accent1"/>
+          </a:effectRef>
+          <a:fontRef idx="minor">
+            <a:schemeClr val="tx1"/>
+          </a:fontRef>
+        </p:style>
+      </p:cxnSp>
+      <p:cxnSp>
+        <p:nvCxnSpPr>
+          <p:cNvPr id="28" name="コネクタ: カギ線 27">
+            <a:extLst>
+              <a:ext uri="{FF2B5EF4-FFF2-40B4-BE49-F238E27FC236}">
+                <a16:creationId xmlns:a16="http://schemas.microsoft.com/office/drawing/2014/main" id="{E078D589-4251-4696-AC0B-9C607D2EB59F}"/>
+              </a:ext>
+            </a:extLst>
+          </p:cNvPr>
+          <p:cNvCxnSpPr>
+            <a:cxnSpLocks/>
+          </p:cNvCxnSpPr>
+          <p:nvPr/>
+        </p:nvCxnSpPr>
+        <p:spPr>
+          <a:xfrm rot="5400000">
+            <a:off x="8354068" y="3478121"/>
+            <a:ext cx="2500013" cy="587158"/>
+          </a:xfrm>
+          <a:prstGeom prst="bentConnector3">
+            <a:avLst/>
+          </a:prstGeom>
+          <a:ln w="31750">
+            <a:solidFill>
+              <a:schemeClr val="tx1"/>
+            </a:solidFill>
+            <a:tailEnd type="triangle"/>
+          </a:ln>
+        </p:spPr>
+        <p:style>
+          <a:lnRef idx="1">
+            <a:schemeClr val="accent1"/>
+          </a:lnRef>
+          <a:fillRef idx="0">
+            <a:schemeClr val="accent1"/>
+          </a:fillRef>
+          <a:effectRef idx="0">
+            <a:schemeClr val="accent1"/>
+          </a:effectRef>
+          <a:fontRef idx="minor">
+            <a:schemeClr val="tx1"/>
+          </a:fontRef>
+        </p:style>
+      </p:cxnSp>
+      <p:sp>
+        <p:nvSpPr>
+          <p:cNvPr id="30" name="テキスト ボックス 29">
+            <a:extLst>
+              <a:ext uri="{FF2B5EF4-FFF2-40B4-BE49-F238E27FC236}">
+                <a16:creationId xmlns:a16="http://schemas.microsoft.com/office/drawing/2014/main" id="{372F6A8A-B567-435C-AAE3-7D211ECDB48A}"/>
+              </a:ext>
+            </a:extLst>
+          </p:cNvPr>
+          <p:cNvSpPr txBox="1"/>
+          <p:nvPr/>
+        </p:nvSpPr>
+        <p:spPr>
+          <a:xfrm>
+            <a:off x="4065916" y="1397088"/>
+            <a:ext cx="1236645" cy="338554"/>
+          </a:xfrm>
+          <a:prstGeom prst="rect">
+            <a:avLst/>
+          </a:prstGeom>
+          <a:noFill/>
+        </p:spPr>
+        <p:txBody>
+          <a:bodyPr wrap="square" rtlCol="0">
+            <a:spAutoFit/>
+          </a:bodyPr>
+          <a:lstStyle/>
+          <a:p>
+            <a:pPr algn="ctr"/>
+            <a:r>
+              <a:rPr lang="ja-JP" altLang="en-US" sz="1600" b="1" dirty="0">
+                <a:latin typeface="メイリオ" panose="020B0604030504040204" pitchFamily="50" charset="-128"/>
+                <a:ea typeface="メイリオ" panose="020B0604030504040204" pitchFamily="50" charset="-128"/>
+              </a:rPr>
+              <a:t>事前に変換</a:t>
+            </a:r>
+            <a:endParaRPr kumimoji="1" lang="ja-JP" altLang="en-US" sz="1600" b="1" dirty="0">
+              <a:latin typeface="メイリオ" panose="020B0604030504040204" pitchFamily="50" charset="-128"/>
+              <a:ea typeface="メイリオ" panose="020B0604030504040204" pitchFamily="50" charset="-128"/>
+            </a:endParaRPr>
+          </a:p>
+        </p:txBody>
+      </p:sp>
+      <p:sp>
+        <p:nvSpPr>
+          <p:cNvPr id="31" name="テキスト ボックス 30">
+            <a:extLst>
+              <a:ext uri="{FF2B5EF4-FFF2-40B4-BE49-F238E27FC236}">
+                <a16:creationId xmlns:a16="http://schemas.microsoft.com/office/drawing/2014/main" id="{5B36DFBC-01FE-48EA-B0C1-8407737BD4FB}"/>
+              </a:ext>
+            </a:extLst>
+          </p:cNvPr>
+          <p:cNvSpPr txBox="1"/>
+          <p:nvPr/>
+        </p:nvSpPr>
+        <p:spPr>
+          <a:xfrm>
+            <a:off x="8724827" y="1397088"/>
+            <a:ext cx="1236645" cy="338554"/>
+          </a:xfrm>
+          <a:prstGeom prst="rect">
+            <a:avLst/>
+          </a:prstGeom>
+          <a:noFill/>
+        </p:spPr>
+        <p:txBody>
+          <a:bodyPr wrap="square" rtlCol="0">
+            <a:spAutoFit/>
+          </a:bodyPr>
+          <a:lstStyle/>
+          <a:p>
+            <a:pPr algn="ctr"/>
+            <a:r>
+              <a:rPr lang="ja-JP" altLang="en-US" sz="1600" b="1" dirty="0">
+                <a:latin typeface="メイリオ" panose="020B0604030504040204" pitchFamily="50" charset="-128"/>
+                <a:ea typeface="メイリオ" panose="020B0604030504040204" pitchFamily="50" charset="-128"/>
+              </a:rPr>
+              <a:t>実行時変換</a:t>
+            </a:r>
+            <a:endParaRPr kumimoji="1" lang="ja-JP" altLang="en-US" sz="1600" b="1" dirty="0">
+              <a:latin typeface="メイリオ" panose="020B0604030504040204" pitchFamily="50" charset="-128"/>
+              <a:ea typeface="メイリオ" panose="020B0604030504040204" pitchFamily="50" charset="-128"/>
+            </a:endParaRPr>
+          </a:p>
+        </p:txBody>
+      </p:sp>
+      <p:sp>
+        <p:nvSpPr>
+          <p:cNvPr id="32" name="テキスト ボックス 31">
+            <a:extLst>
+              <a:ext uri="{FF2B5EF4-FFF2-40B4-BE49-F238E27FC236}">
+                <a16:creationId xmlns:a16="http://schemas.microsoft.com/office/drawing/2014/main" id="{CD425CEB-01D9-4AAA-BF3A-BCED0BBDA092}"/>
+              </a:ext>
+            </a:extLst>
+          </p:cNvPr>
+          <p:cNvSpPr txBox="1"/>
+          <p:nvPr/>
+        </p:nvSpPr>
+        <p:spPr>
+          <a:xfrm>
+            <a:off x="2294346" y="3901396"/>
+            <a:ext cx="957400" cy="338554"/>
+          </a:xfrm>
+          <a:prstGeom prst="rect">
+            <a:avLst/>
+          </a:prstGeom>
+          <a:noFill/>
+        </p:spPr>
+        <p:txBody>
+          <a:bodyPr wrap="square" rtlCol="0">
+            <a:spAutoFit/>
+          </a:bodyPr>
+          <a:lstStyle/>
+          <a:p>
+            <a:pPr algn="ctr"/>
+            <a:r>
+              <a:rPr lang="ja-JP" altLang="en-US" sz="1600" b="1" dirty="0">
+                <a:latin typeface="メイリオ" panose="020B0604030504040204" pitchFamily="50" charset="-128"/>
+                <a:ea typeface="メイリオ" panose="020B0604030504040204" pitchFamily="50" charset="-128"/>
+              </a:rPr>
+              <a:t>変換</a:t>
+            </a:r>
+            <a:endParaRPr kumimoji="1" lang="ja-JP" altLang="en-US" sz="1600" b="1" dirty="0">
+              <a:latin typeface="メイリオ" panose="020B0604030504040204" pitchFamily="50" charset="-128"/>
+              <a:ea typeface="メイリオ" panose="020B0604030504040204" pitchFamily="50" charset="-128"/>
+            </a:endParaRPr>
+          </a:p>
+        </p:txBody>
+      </p:sp>
+      <p:sp>
+        <p:nvSpPr>
+          <p:cNvPr id="33" name="テキスト ボックス 32">
+            <a:extLst>
+              <a:ext uri="{FF2B5EF4-FFF2-40B4-BE49-F238E27FC236}">
+                <a16:creationId xmlns:a16="http://schemas.microsoft.com/office/drawing/2014/main" id="{44806530-3868-4017-96D3-31214479BF68}"/>
+              </a:ext>
+            </a:extLst>
+          </p:cNvPr>
+          <p:cNvSpPr txBox="1"/>
+          <p:nvPr/>
+        </p:nvSpPr>
+        <p:spPr>
+          <a:xfrm>
+            <a:off x="9310494" y="3901396"/>
+            <a:ext cx="957400" cy="338554"/>
+          </a:xfrm>
+          <a:prstGeom prst="rect">
+            <a:avLst/>
+          </a:prstGeom>
+          <a:noFill/>
+        </p:spPr>
+        <p:txBody>
+          <a:bodyPr wrap="square" rtlCol="0">
+            <a:spAutoFit/>
+          </a:bodyPr>
+          <a:lstStyle/>
+          <a:p>
+            <a:pPr algn="ctr"/>
+            <a:r>
+              <a:rPr lang="ja-JP" altLang="en-US" sz="1600" b="1" dirty="0">
+                <a:latin typeface="メイリオ" panose="020B0604030504040204" pitchFamily="50" charset="-128"/>
+                <a:ea typeface="メイリオ" panose="020B0604030504040204" pitchFamily="50" charset="-128"/>
+              </a:rPr>
+              <a:t>変換</a:t>
+            </a:r>
+            <a:endParaRPr kumimoji="1" lang="ja-JP" altLang="en-US" sz="1600" b="1" dirty="0">
+              <a:latin typeface="メイリオ" panose="020B0604030504040204" pitchFamily="50" charset="-128"/>
+              <a:ea typeface="メイリオ" panose="020B0604030504040204" pitchFamily="50" charset="-128"/>
+            </a:endParaRPr>
+          </a:p>
+        </p:txBody>
+      </p:sp>
+      <p:sp>
+        <p:nvSpPr>
+          <p:cNvPr id="34" name="テキスト ボックス 33">
+            <a:extLst>
+              <a:ext uri="{FF2B5EF4-FFF2-40B4-BE49-F238E27FC236}">
+                <a16:creationId xmlns:a16="http://schemas.microsoft.com/office/drawing/2014/main" id="{B48C0C96-9BCA-4794-9576-DA6CE9E2E729}"/>
+              </a:ext>
+            </a:extLst>
+          </p:cNvPr>
+          <p:cNvSpPr txBox="1"/>
+          <p:nvPr/>
+        </p:nvSpPr>
+        <p:spPr>
+          <a:xfrm>
+            <a:off x="6096000" y="4648743"/>
+            <a:ext cx="957400" cy="338554"/>
+          </a:xfrm>
+          <a:prstGeom prst="rect">
+            <a:avLst/>
+          </a:prstGeom>
+          <a:noFill/>
+        </p:spPr>
+        <p:txBody>
+          <a:bodyPr wrap="square" rtlCol="0">
+            <a:spAutoFit/>
+          </a:bodyPr>
+          <a:lstStyle/>
+          <a:p>
+            <a:pPr algn="ctr"/>
+            <a:r>
+              <a:rPr lang="ja-JP" altLang="en-US" sz="1600" b="1" dirty="0">
+                <a:latin typeface="メイリオ" panose="020B0604030504040204" pitchFamily="50" charset="-128"/>
+                <a:ea typeface="メイリオ" panose="020B0604030504040204" pitchFamily="50" charset="-128"/>
+              </a:rPr>
+              <a:t>変換</a:t>
+            </a:r>
+            <a:endParaRPr kumimoji="1" lang="ja-JP" altLang="en-US" sz="1600" b="1" dirty="0">
+              <a:latin typeface="メイリオ" panose="020B0604030504040204" pitchFamily="50" charset="-128"/>
+              <a:ea typeface="メイリオ" panose="020B0604030504040204" pitchFamily="50" charset="-128"/>
             </a:endParaRPr>
           </a:p>
         </p:txBody>
